--- a/ppt 16-9/0230.头戴荆冠.pptx
+++ b/ppt 16-9/0230.头戴荆冠.pptx
@@ -5,7 +5,7 @@
     <p:sldMasterId id="2147483648" r:id="rId1"/>
   </p:sldMasterIdLst>
   <p:sldIdLst>
-    <p:sldId id="3056" r:id="rId2"/>
+    <p:sldId id="3058" r:id="rId2"/>
   </p:sldIdLst>
   <p:sldSz cx="12192000" cy="6858000"/>
   <p:notesSz cx="6858000" cy="9144000"/>
@@ -129,7 +129,7 @@
           <p:cNvPr id="2" name="标题 1">
             <a:extLst>
               <a:ext uri="{FF2B5EF4-FFF2-40B4-BE49-F238E27FC236}">
-                <a16:creationId xmlns:a16="http://schemas.microsoft.com/office/drawing/2014/main" id="{1CFF1672-6ABA-AC26-09E8-6D74D8C9ACDD}"/>
+                <a16:creationId xmlns:a16="http://schemas.microsoft.com/office/drawing/2014/main" id="{E600165A-1FCD-BC79-BE6F-F26844EA0C71}"/>
               </a:ext>
             </a:extLst>
           </p:cNvPr>
@@ -166,7 +166,7 @@
           <p:cNvPr id="3" name="副标题 2">
             <a:extLst>
               <a:ext uri="{FF2B5EF4-FFF2-40B4-BE49-F238E27FC236}">
-                <a16:creationId xmlns:a16="http://schemas.microsoft.com/office/drawing/2014/main" id="{CC5CFCAD-4E26-5A33-2A11-701BA432A09C}"/>
+                <a16:creationId xmlns:a16="http://schemas.microsoft.com/office/drawing/2014/main" id="{680E33B5-B159-2D4B-871C-558B08CBCD87}"/>
               </a:ext>
             </a:extLst>
           </p:cNvPr>
@@ -236,7 +236,7 @@
           <p:cNvPr id="4" name="日期占位符 3">
             <a:extLst>
               <a:ext uri="{FF2B5EF4-FFF2-40B4-BE49-F238E27FC236}">
-                <a16:creationId xmlns:a16="http://schemas.microsoft.com/office/drawing/2014/main" id="{6C7F14D5-240D-301B-72B6-DB2BF4CC85C7}"/>
+                <a16:creationId xmlns:a16="http://schemas.microsoft.com/office/drawing/2014/main" id="{B62B3947-9249-8B2B-E402-19E70B874F62}"/>
               </a:ext>
             </a:extLst>
           </p:cNvPr>
@@ -252,7 +252,7 @@
           <a:bodyPr/>
           <a:lstStyle/>
           <a:p>
-            <a:fld id="{27E0FF74-5833-4213-B2F4-8BB12AC1AC6C}" type="datetimeFigureOut">
+            <a:fld id="{AB065EA1-16EB-4EED-9AE4-206D24ACFF71}" type="datetimeFigureOut">
               <a:rPr lang="zh-CN" altLang="en-US" smtClean="0"/>
               <a:t>2024/3/10</a:t>
             </a:fld>
@@ -265,7 +265,7 @@
           <p:cNvPr id="5" name="页脚占位符 4">
             <a:extLst>
               <a:ext uri="{FF2B5EF4-FFF2-40B4-BE49-F238E27FC236}">
-                <a16:creationId xmlns:a16="http://schemas.microsoft.com/office/drawing/2014/main" id="{3E80D910-0F1D-6EDC-49DF-6539BED00A50}"/>
+                <a16:creationId xmlns:a16="http://schemas.microsoft.com/office/drawing/2014/main" id="{D5A90D95-3797-1D10-F8A5-9E8A80DF60FD}"/>
               </a:ext>
             </a:extLst>
           </p:cNvPr>
@@ -290,7 +290,7 @@
           <p:cNvPr id="6" name="灯片编号占位符 5">
             <a:extLst>
               <a:ext uri="{FF2B5EF4-FFF2-40B4-BE49-F238E27FC236}">
-                <a16:creationId xmlns:a16="http://schemas.microsoft.com/office/drawing/2014/main" id="{C77D38AE-377B-F392-8268-8D2132D35DCE}"/>
+                <a16:creationId xmlns:a16="http://schemas.microsoft.com/office/drawing/2014/main" id="{CDF5325E-F17A-711E-8941-C50D07603D32}"/>
               </a:ext>
             </a:extLst>
           </p:cNvPr>
@@ -306,7 +306,7 @@
           <a:bodyPr/>
           <a:lstStyle/>
           <a:p>
-            <a:fld id="{85AD1BA7-112B-4A7B-B22A-834F3E0F2FE2}" type="slidenum">
+            <a:fld id="{B8ABBA8A-CBEA-4A71-8AD5-F58F529E2FCB}" type="slidenum">
               <a:rPr lang="zh-CN" altLang="en-US" smtClean="0"/>
               <a:t>‹#›</a:t>
             </a:fld>
@@ -317,7 +317,7 @@
     </p:spTree>
     <p:extLst>
       <p:ext uri="{BB962C8B-B14F-4D97-AF65-F5344CB8AC3E}">
-        <p14:creationId xmlns:p14="http://schemas.microsoft.com/office/powerpoint/2010/main" val="87779526"/>
+        <p14:creationId xmlns:p14="http://schemas.microsoft.com/office/powerpoint/2010/main" val="76096949"/>
       </p:ext>
     </p:extLst>
   </p:cSld>
@@ -349,7 +349,7 @@
           <p:cNvPr id="2" name="标题 1">
             <a:extLst>
               <a:ext uri="{FF2B5EF4-FFF2-40B4-BE49-F238E27FC236}">
-                <a16:creationId xmlns:a16="http://schemas.microsoft.com/office/drawing/2014/main" id="{70393FD4-C006-6CB7-8067-868FB2CF4861}"/>
+                <a16:creationId xmlns:a16="http://schemas.microsoft.com/office/drawing/2014/main" id="{FE4B93A2-0E90-27A1-BF24-F6B47FECD54E}"/>
               </a:ext>
             </a:extLst>
           </p:cNvPr>
@@ -377,7 +377,7 @@
           <p:cNvPr id="3" name="竖排文字占位符 2">
             <a:extLst>
               <a:ext uri="{FF2B5EF4-FFF2-40B4-BE49-F238E27FC236}">
-                <a16:creationId xmlns:a16="http://schemas.microsoft.com/office/drawing/2014/main" id="{9BD91696-52A0-F7ED-8169-371C3827FE0C}"/>
+                <a16:creationId xmlns:a16="http://schemas.microsoft.com/office/drawing/2014/main" id="{856FA368-A0D2-D7BC-EDC1-A25E9EAF85D5}"/>
               </a:ext>
             </a:extLst>
           </p:cNvPr>
@@ -434,7 +434,7 @@
           <p:cNvPr id="4" name="日期占位符 3">
             <a:extLst>
               <a:ext uri="{FF2B5EF4-FFF2-40B4-BE49-F238E27FC236}">
-                <a16:creationId xmlns:a16="http://schemas.microsoft.com/office/drawing/2014/main" id="{EBB7D5AF-264F-830E-3C55-E7CAD29532CB}"/>
+                <a16:creationId xmlns:a16="http://schemas.microsoft.com/office/drawing/2014/main" id="{4535274C-0FC2-F146-1A18-8DE315BCE03B}"/>
               </a:ext>
             </a:extLst>
           </p:cNvPr>
@@ -450,7 +450,7 @@
           <a:bodyPr/>
           <a:lstStyle/>
           <a:p>
-            <a:fld id="{27E0FF74-5833-4213-B2F4-8BB12AC1AC6C}" type="datetimeFigureOut">
+            <a:fld id="{AB065EA1-16EB-4EED-9AE4-206D24ACFF71}" type="datetimeFigureOut">
               <a:rPr lang="zh-CN" altLang="en-US" smtClean="0"/>
               <a:t>2024/3/10</a:t>
             </a:fld>
@@ -463,7 +463,7 @@
           <p:cNvPr id="5" name="页脚占位符 4">
             <a:extLst>
               <a:ext uri="{FF2B5EF4-FFF2-40B4-BE49-F238E27FC236}">
-                <a16:creationId xmlns:a16="http://schemas.microsoft.com/office/drawing/2014/main" id="{717FEDBA-EC98-2785-9DC1-45D3E5375574}"/>
+                <a16:creationId xmlns:a16="http://schemas.microsoft.com/office/drawing/2014/main" id="{DA031F22-FE7A-4573-6E0D-2F40B0110FF9}"/>
               </a:ext>
             </a:extLst>
           </p:cNvPr>
@@ -488,7 +488,7 @@
           <p:cNvPr id="6" name="灯片编号占位符 5">
             <a:extLst>
               <a:ext uri="{FF2B5EF4-FFF2-40B4-BE49-F238E27FC236}">
-                <a16:creationId xmlns:a16="http://schemas.microsoft.com/office/drawing/2014/main" id="{6FD3D44E-5129-896F-B5D0-69608CC763E6}"/>
+                <a16:creationId xmlns:a16="http://schemas.microsoft.com/office/drawing/2014/main" id="{C44AE2BA-94C7-7060-08EC-3B6500C39A4B}"/>
               </a:ext>
             </a:extLst>
           </p:cNvPr>
@@ -504,7 +504,7 @@
           <a:bodyPr/>
           <a:lstStyle/>
           <a:p>
-            <a:fld id="{85AD1BA7-112B-4A7B-B22A-834F3E0F2FE2}" type="slidenum">
+            <a:fld id="{B8ABBA8A-CBEA-4A71-8AD5-F58F529E2FCB}" type="slidenum">
               <a:rPr lang="zh-CN" altLang="en-US" smtClean="0"/>
               <a:t>‹#›</a:t>
             </a:fld>
@@ -515,7 +515,7 @@
     </p:spTree>
     <p:extLst>
       <p:ext uri="{BB962C8B-B14F-4D97-AF65-F5344CB8AC3E}">
-        <p14:creationId xmlns:p14="http://schemas.microsoft.com/office/powerpoint/2010/main" val="500871328"/>
+        <p14:creationId xmlns:p14="http://schemas.microsoft.com/office/powerpoint/2010/main" val="3288480725"/>
       </p:ext>
     </p:extLst>
   </p:cSld>
@@ -547,7 +547,7 @@
           <p:cNvPr id="2" name="竖排标题 1">
             <a:extLst>
               <a:ext uri="{FF2B5EF4-FFF2-40B4-BE49-F238E27FC236}">
-                <a16:creationId xmlns:a16="http://schemas.microsoft.com/office/drawing/2014/main" id="{4131D4A3-21C1-97AD-3549-7815571B0236}"/>
+                <a16:creationId xmlns:a16="http://schemas.microsoft.com/office/drawing/2014/main" id="{4D2CB4E9-6CB5-8606-DCA3-B43F3201D9F8}"/>
               </a:ext>
             </a:extLst>
           </p:cNvPr>
@@ -580,7 +580,7 @@
           <p:cNvPr id="3" name="竖排文字占位符 2">
             <a:extLst>
               <a:ext uri="{FF2B5EF4-FFF2-40B4-BE49-F238E27FC236}">
-                <a16:creationId xmlns:a16="http://schemas.microsoft.com/office/drawing/2014/main" id="{33EEBE90-237A-2C0E-1789-873673203C1E}"/>
+                <a16:creationId xmlns:a16="http://schemas.microsoft.com/office/drawing/2014/main" id="{A7C17FDB-A14A-2097-8AA6-4043718E2110}"/>
               </a:ext>
             </a:extLst>
           </p:cNvPr>
@@ -642,7 +642,7 @@
           <p:cNvPr id="4" name="日期占位符 3">
             <a:extLst>
               <a:ext uri="{FF2B5EF4-FFF2-40B4-BE49-F238E27FC236}">
-                <a16:creationId xmlns:a16="http://schemas.microsoft.com/office/drawing/2014/main" id="{65311E07-932B-B0D1-D3B6-E1CEA9F08ACD}"/>
+                <a16:creationId xmlns:a16="http://schemas.microsoft.com/office/drawing/2014/main" id="{D5092435-DCF4-705C-5E85-EB8FCFFA3E81}"/>
               </a:ext>
             </a:extLst>
           </p:cNvPr>
@@ -658,7 +658,7 @@
           <a:bodyPr/>
           <a:lstStyle/>
           <a:p>
-            <a:fld id="{27E0FF74-5833-4213-B2F4-8BB12AC1AC6C}" type="datetimeFigureOut">
+            <a:fld id="{AB065EA1-16EB-4EED-9AE4-206D24ACFF71}" type="datetimeFigureOut">
               <a:rPr lang="zh-CN" altLang="en-US" smtClean="0"/>
               <a:t>2024/3/10</a:t>
             </a:fld>
@@ -671,7 +671,7 @@
           <p:cNvPr id="5" name="页脚占位符 4">
             <a:extLst>
               <a:ext uri="{FF2B5EF4-FFF2-40B4-BE49-F238E27FC236}">
-                <a16:creationId xmlns:a16="http://schemas.microsoft.com/office/drawing/2014/main" id="{22529754-5D56-960A-8E1C-E1E57D86ECC3}"/>
+                <a16:creationId xmlns:a16="http://schemas.microsoft.com/office/drawing/2014/main" id="{E740A83E-1722-44C4-B38B-717A9D68DA56}"/>
               </a:ext>
             </a:extLst>
           </p:cNvPr>
@@ -696,7 +696,7 @@
           <p:cNvPr id="6" name="灯片编号占位符 5">
             <a:extLst>
               <a:ext uri="{FF2B5EF4-FFF2-40B4-BE49-F238E27FC236}">
-                <a16:creationId xmlns:a16="http://schemas.microsoft.com/office/drawing/2014/main" id="{B187B25A-1BF5-B7DC-6031-9039C209F6E3}"/>
+                <a16:creationId xmlns:a16="http://schemas.microsoft.com/office/drawing/2014/main" id="{9CDAEC26-F000-BC2D-EEF3-73C5AEAC7D3F}"/>
               </a:ext>
             </a:extLst>
           </p:cNvPr>
@@ -712,7 +712,7 @@
           <a:bodyPr/>
           <a:lstStyle/>
           <a:p>
-            <a:fld id="{85AD1BA7-112B-4A7B-B22A-834F3E0F2FE2}" type="slidenum">
+            <a:fld id="{B8ABBA8A-CBEA-4A71-8AD5-F58F529E2FCB}" type="slidenum">
               <a:rPr lang="zh-CN" altLang="en-US" smtClean="0"/>
               <a:t>‹#›</a:t>
             </a:fld>
@@ -723,7 +723,7 @@
     </p:spTree>
     <p:extLst>
       <p:ext uri="{BB962C8B-B14F-4D97-AF65-F5344CB8AC3E}">
-        <p14:creationId xmlns:p14="http://schemas.microsoft.com/office/powerpoint/2010/main" val="557298688"/>
+        <p14:creationId xmlns:p14="http://schemas.microsoft.com/office/powerpoint/2010/main" val="2921127290"/>
       </p:ext>
     </p:extLst>
   </p:cSld>
@@ -755,7 +755,7 @@
           <p:cNvPr id="2" name="标题 1">
             <a:extLst>
               <a:ext uri="{FF2B5EF4-FFF2-40B4-BE49-F238E27FC236}">
-                <a16:creationId xmlns:a16="http://schemas.microsoft.com/office/drawing/2014/main" id="{7E24ABBF-C0FC-1416-38BD-ED44CA74A40A}"/>
+                <a16:creationId xmlns:a16="http://schemas.microsoft.com/office/drawing/2014/main" id="{A35A8CFC-C3E8-DBAF-2C1A-3F9F17367FE1}"/>
               </a:ext>
             </a:extLst>
           </p:cNvPr>
@@ -783,7 +783,7 @@
           <p:cNvPr id="3" name="内容占位符 2">
             <a:extLst>
               <a:ext uri="{FF2B5EF4-FFF2-40B4-BE49-F238E27FC236}">
-                <a16:creationId xmlns:a16="http://schemas.microsoft.com/office/drawing/2014/main" id="{18FA2D68-0A49-FAEB-22F2-8B661ADAD6A5}"/>
+                <a16:creationId xmlns:a16="http://schemas.microsoft.com/office/drawing/2014/main" id="{E1B62EF5-0F7E-6575-5DCD-31205254B8AB}"/>
               </a:ext>
             </a:extLst>
           </p:cNvPr>
@@ -840,7 +840,7 @@
           <p:cNvPr id="4" name="日期占位符 3">
             <a:extLst>
               <a:ext uri="{FF2B5EF4-FFF2-40B4-BE49-F238E27FC236}">
-                <a16:creationId xmlns:a16="http://schemas.microsoft.com/office/drawing/2014/main" id="{4B201FF4-81FC-7E63-B6A8-35939A08B3D7}"/>
+                <a16:creationId xmlns:a16="http://schemas.microsoft.com/office/drawing/2014/main" id="{FA53F050-130B-DE20-F3BE-1C59F920BD79}"/>
               </a:ext>
             </a:extLst>
           </p:cNvPr>
@@ -856,7 +856,7 @@
           <a:bodyPr/>
           <a:lstStyle/>
           <a:p>
-            <a:fld id="{27E0FF74-5833-4213-B2F4-8BB12AC1AC6C}" type="datetimeFigureOut">
+            <a:fld id="{AB065EA1-16EB-4EED-9AE4-206D24ACFF71}" type="datetimeFigureOut">
               <a:rPr lang="zh-CN" altLang="en-US" smtClean="0"/>
               <a:t>2024/3/10</a:t>
             </a:fld>
@@ -869,7 +869,7 @@
           <p:cNvPr id="5" name="页脚占位符 4">
             <a:extLst>
               <a:ext uri="{FF2B5EF4-FFF2-40B4-BE49-F238E27FC236}">
-                <a16:creationId xmlns:a16="http://schemas.microsoft.com/office/drawing/2014/main" id="{B021ED99-241A-98F5-6C4A-146660729B2E}"/>
+                <a16:creationId xmlns:a16="http://schemas.microsoft.com/office/drawing/2014/main" id="{5C2FE843-F79C-F013-2584-F5E336CD2760}"/>
               </a:ext>
             </a:extLst>
           </p:cNvPr>
@@ -894,7 +894,7 @@
           <p:cNvPr id="6" name="灯片编号占位符 5">
             <a:extLst>
               <a:ext uri="{FF2B5EF4-FFF2-40B4-BE49-F238E27FC236}">
-                <a16:creationId xmlns:a16="http://schemas.microsoft.com/office/drawing/2014/main" id="{61F88D80-328F-995B-F828-C14DF6F81146}"/>
+                <a16:creationId xmlns:a16="http://schemas.microsoft.com/office/drawing/2014/main" id="{0C6606BB-E02A-303B-9655-43E416B588CF}"/>
               </a:ext>
             </a:extLst>
           </p:cNvPr>
@@ -910,7 +910,7 @@
           <a:bodyPr/>
           <a:lstStyle/>
           <a:p>
-            <a:fld id="{85AD1BA7-112B-4A7B-B22A-834F3E0F2FE2}" type="slidenum">
+            <a:fld id="{B8ABBA8A-CBEA-4A71-8AD5-F58F529E2FCB}" type="slidenum">
               <a:rPr lang="zh-CN" altLang="en-US" smtClean="0"/>
               <a:t>‹#›</a:t>
             </a:fld>
@@ -921,7 +921,7 @@
     </p:spTree>
     <p:extLst>
       <p:ext uri="{BB962C8B-B14F-4D97-AF65-F5344CB8AC3E}">
-        <p14:creationId xmlns:p14="http://schemas.microsoft.com/office/powerpoint/2010/main" val="913446425"/>
+        <p14:creationId xmlns:p14="http://schemas.microsoft.com/office/powerpoint/2010/main" val="243452177"/>
       </p:ext>
     </p:extLst>
   </p:cSld>
@@ -953,7 +953,7 @@
           <p:cNvPr id="2" name="标题 1">
             <a:extLst>
               <a:ext uri="{FF2B5EF4-FFF2-40B4-BE49-F238E27FC236}">
-                <a16:creationId xmlns:a16="http://schemas.microsoft.com/office/drawing/2014/main" id="{C0A723C2-4816-41B0-C939-8C2FF9AE093D}"/>
+                <a16:creationId xmlns:a16="http://schemas.microsoft.com/office/drawing/2014/main" id="{F18517B8-0F31-202B-E437-6DAFDDEC8929}"/>
               </a:ext>
             </a:extLst>
           </p:cNvPr>
@@ -990,7 +990,7 @@
           <p:cNvPr id="3" name="文本占位符 2">
             <a:extLst>
               <a:ext uri="{FF2B5EF4-FFF2-40B4-BE49-F238E27FC236}">
-                <a16:creationId xmlns:a16="http://schemas.microsoft.com/office/drawing/2014/main" id="{796D6EBF-7B55-AB20-DE39-6016E940F222}"/>
+                <a16:creationId xmlns:a16="http://schemas.microsoft.com/office/drawing/2014/main" id="{BE4A6FCE-011E-4E7B-75AC-EC88915526DB}"/>
               </a:ext>
             </a:extLst>
           </p:cNvPr>
@@ -1115,7 +1115,7 @@
           <p:cNvPr id="4" name="日期占位符 3">
             <a:extLst>
               <a:ext uri="{FF2B5EF4-FFF2-40B4-BE49-F238E27FC236}">
-                <a16:creationId xmlns:a16="http://schemas.microsoft.com/office/drawing/2014/main" id="{F126073A-D5EB-493A-F92B-EA13249767B8}"/>
+                <a16:creationId xmlns:a16="http://schemas.microsoft.com/office/drawing/2014/main" id="{8497D423-D85F-645F-97A0-C56235E10A09}"/>
               </a:ext>
             </a:extLst>
           </p:cNvPr>
@@ -1131,7 +1131,7 @@
           <a:bodyPr/>
           <a:lstStyle/>
           <a:p>
-            <a:fld id="{27E0FF74-5833-4213-B2F4-8BB12AC1AC6C}" type="datetimeFigureOut">
+            <a:fld id="{AB065EA1-16EB-4EED-9AE4-206D24ACFF71}" type="datetimeFigureOut">
               <a:rPr lang="zh-CN" altLang="en-US" smtClean="0"/>
               <a:t>2024/3/10</a:t>
             </a:fld>
@@ -1144,7 +1144,7 @@
           <p:cNvPr id="5" name="页脚占位符 4">
             <a:extLst>
               <a:ext uri="{FF2B5EF4-FFF2-40B4-BE49-F238E27FC236}">
-                <a16:creationId xmlns:a16="http://schemas.microsoft.com/office/drawing/2014/main" id="{9CC1A404-4A83-69C3-8C54-685EF78676B5}"/>
+                <a16:creationId xmlns:a16="http://schemas.microsoft.com/office/drawing/2014/main" id="{81C161FE-48C7-6818-A27E-CBBC15EB6F12}"/>
               </a:ext>
             </a:extLst>
           </p:cNvPr>
@@ -1169,7 +1169,7 @@
           <p:cNvPr id="6" name="灯片编号占位符 5">
             <a:extLst>
               <a:ext uri="{FF2B5EF4-FFF2-40B4-BE49-F238E27FC236}">
-                <a16:creationId xmlns:a16="http://schemas.microsoft.com/office/drawing/2014/main" id="{FE499F53-19A2-C4B8-7A87-15F5FCEEAF7F}"/>
+                <a16:creationId xmlns:a16="http://schemas.microsoft.com/office/drawing/2014/main" id="{5EA5BBAF-54C9-8B36-C539-8EC9922FE998}"/>
               </a:ext>
             </a:extLst>
           </p:cNvPr>
@@ -1185,7 +1185,7 @@
           <a:bodyPr/>
           <a:lstStyle/>
           <a:p>
-            <a:fld id="{85AD1BA7-112B-4A7B-B22A-834F3E0F2FE2}" type="slidenum">
+            <a:fld id="{B8ABBA8A-CBEA-4A71-8AD5-F58F529E2FCB}" type="slidenum">
               <a:rPr lang="zh-CN" altLang="en-US" smtClean="0"/>
               <a:t>‹#›</a:t>
             </a:fld>
@@ -1196,7 +1196,7 @@
     </p:spTree>
     <p:extLst>
       <p:ext uri="{BB962C8B-B14F-4D97-AF65-F5344CB8AC3E}">
-        <p14:creationId xmlns:p14="http://schemas.microsoft.com/office/powerpoint/2010/main" val="698936837"/>
+        <p14:creationId xmlns:p14="http://schemas.microsoft.com/office/powerpoint/2010/main" val="3283710108"/>
       </p:ext>
     </p:extLst>
   </p:cSld>
@@ -1228,7 +1228,7 @@
           <p:cNvPr id="2" name="标题 1">
             <a:extLst>
               <a:ext uri="{FF2B5EF4-FFF2-40B4-BE49-F238E27FC236}">
-                <a16:creationId xmlns:a16="http://schemas.microsoft.com/office/drawing/2014/main" id="{80A2B379-8FEE-480B-BE0C-AFA9A1F755A7}"/>
+                <a16:creationId xmlns:a16="http://schemas.microsoft.com/office/drawing/2014/main" id="{9C996C49-98D0-C362-71D2-69D91E70A23B}"/>
               </a:ext>
             </a:extLst>
           </p:cNvPr>
@@ -1256,7 +1256,7 @@
           <p:cNvPr id="3" name="内容占位符 2">
             <a:extLst>
               <a:ext uri="{FF2B5EF4-FFF2-40B4-BE49-F238E27FC236}">
-                <a16:creationId xmlns:a16="http://schemas.microsoft.com/office/drawing/2014/main" id="{AC4F5729-E04A-27F1-A49A-916DF6BF9B0B}"/>
+                <a16:creationId xmlns:a16="http://schemas.microsoft.com/office/drawing/2014/main" id="{B5B2FF93-4E10-AA2C-05BA-D19BC74BE9B7}"/>
               </a:ext>
             </a:extLst>
           </p:cNvPr>
@@ -1318,7 +1318,7 @@
           <p:cNvPr id="4" name="内容占位符 3">
             <a:extLst>
               <a:ext uri="{FF2B5EF4-FFF2-40B4-BE49-F238E27FC236}">
-                <a16:creationId xmlns:a16="http://schemas.microsoft.com/office/drawing/2014/main" id="{5D200FA0-54F3-3FD2-B358-3396E1FD6E22}"/>
+                <a16:creationId xmlns:a16="http://schemas.microsoft.com/office/drawing/2014/main" id="{41264FD7-0F93-D414-67A5-AA5BF4887764}"/>
               </a:ext>
             </a:extLst>
           </p:cNvPr>
@@ -1380,7 +1380,7 @@
           <p:cNvPr id="5" name="日期占位符 4">
             <a:extLst>
               <a:ext uri="{FF2B5EF4-FFF2-40B4-BE49-F238E27FC236}">
-                <a16:creationId xmlns:a16="http://schemas.microsoft.com/office/drawing/2014/main" id="{CE67BCC6-66B2-2D35-A20F-4F47EDC0F613}"/>
+                <a16:creationId xmlns:a16="http://schemas.microsoft.com/office/drawing/2014/main" id="{F8DF2301-BBFF-06E6-C9F6-D629930FFA19}"/>
               </a:ext>
             </a:extLst>
           </p:cNvPr>
@@ -1396,7 +1396,7 @@
           <a:bodyPr/>
           <a:lstStyle/>
           <a:p>
-            <a:fld id="{27E0FF74-5833-4213-B2F4-8BB12AC1AC6C}" type="datetimeFigureOut">
+            <a:fld id="{AB065EA1-16EB-4EED-9AE4-206D24ACFF71}" type="datetimeFigureOut">
               <a:rPr lang="zh-CN" altLang="en-US" smtClean="0"/>
               <a:t>2024/3/10</a:t>
             </a:fld>
@@ -1409,7 +1409,7 @@
           <p:cNvPr id="6" name="页脚占位符 5">
             <a:extLst>
               <a:ext uri="{FF2B5EF4-FFF2-40B4-BE49-F238E27FC236}">
-                <a16:creationId xmlns:a16="http://schemas.microsoft.com/office/drawing/2014/main" id="{A6AA5F54-9348-77DE-33FD-9DC3F814F752}"/>
+                <a16:creationId xmlns:a16="http://schemas.microsoft.com/office/drawing/2014/main" id="{593FA14D-9273-A82A-002B-0E92059B8B3F}"/>
               </a:ext>
             </a:extLst>
           </p:cNvPr>
@@ -1434,7 +1434,7 @@
           <p:cNvPr id="7" name="灯片编号占位符 6">
             <a:extLst>
               <a:ext uri="{FF2B5EF4-FFF2-40B4-BE49-F238E27FC236}">
-                <a16:creationId xmlns:a16="http://schemas.microsoft.com/office/drawing/2014/main" id="{A07E5027-4143-303C-D75E-960AB84DFF5A}"/>
+                <a16:creationId xmlns:a16="http://schemas.microsoft.com/office/drawing/2014/main" id="{FB367AFF-D77F-AE20-8C30-04DC4880F952}"/>
               </a:ext>
             </a:extLst>
           </p:cNvPr>
@@ -1450,7 +1450,7 @@
           <a:bodyPr/>
           <a:lstStyle/>
           <a:p>
-            <a:fld id="{85AD1BA7-112B-4A7B-B22A-834F3E0F2FE2}" type="slidenum">
+            <a:fld id="{B8ABBA8A-CBEA-4A71-8AD5-F58F529E2FCB}" type="slidenum">
               <a:rPr lang="zh-CN" altLang="en-US" smtClean="0"/>
               <a:t>‹#›</a:t>
             </a:fld>
@@ -1461,7 +1461,7 @@
     </p:spTree>
     <p:extLst>
       <p:ext uri="{BB962C8B-B14F-4D97-AF65-F5344CB8AC3E}">
-        <p14:creationId xmlns:p14="http://schemas.microsoft.com/office/powerpoint/2010/main" val="1719242401"/>
+        <p14:creationId xmlns:p14="http://schemas.microsoft.com/office/powerpoint/2010/main" val="1455962974"/>
       </p:ext>
     </p:extLst>
   </p:cSld>
@@ -1493,7 +1493,7 @@
           <p:cNvPr id="2" name="标题 1">
             <a:extLst>
               <a:ext uri="{FF2B5EF4-FFF2-40B4-BE49-F238E27FC236}">
-                <a16:creationId xmlns:a16="http://schemas.microsoft.com/office/drawing/2014/main" id="{CA3C9412-362D-062C-61D2-B61F0DE885D2}"/>
+                <a16:creationId xmlns:a16="http://schemas.microsoft.com/office/drawing/2014/main" id="{09A36D96-AFD2-59FC-EF59-E2F22ACDBE05}"/>
               </a:ext>
             </a:extLst>
           </p:cNvPr>
@@ -1526,7 +1526,7 @@
           <p:cNvPr id="3" name="文本占位符 2">
             <a:extLst>
               <a:ext uri="{FF2B5EF4-FFF2-40B4-BE49-F238E27FC236}">
-                <a16:creationId xmlns:a16="http://schemas.microsoft.com/office/drawing/2014/main" id="{9F2A9843-07A9-6D78-1102-ED761A289F41}"/>
+                <a16:creationId xmlns:a16="http://schemas.microsoft.com/office/drawing/2014/main" id="{6F54EFD0-9E33-8F48-6D75-1852375492E7}"/>
               </a:ext>
             </a:extLst>
           </p:cNvPr>
@@ -1597,7 +1597,7 @@
           <p:cNvPr id="4" name="内容占位符 3">
             <a:extLst>
               <a:ext uri="{FF2B5EF4-FFF2-40B4-BE49-F238E27FC236}">
-                <a16:creationId xmlns:a16="http://schemas.microsoft.com/office/drawing/2014/main" id="{1401FEC7-51BA-93B7-5737-478BD02C4D49}"/>
+                <a16:creationId xmlns:a16="http://schemas.microsoft.com/office/drawing/2014/main" id="{B41B5F0B-5433-5F90-6A5F-A338DAA83AB6}"/>
               </a:ext>
             </a:extLst>
           </p:cNvPr>
@@ -1659,7 +1659,7 @@
           <p:cNvPr id="5" name="文本占位符 4">
             <a:extLst>
               <a:ext uri="{FF2B5EF4-FFF2-40B4-BE49-F238E27FC236}">
-                <a16:creationId xmlns:a16="http://schemas.microsoft.com/office/drawing/2014/main" id="{B543E4AF-61B9-3CCB-A45D-CD91D5123E98}"/>
+                <a16:creationId xmlns:a16="http://schemas.microsoft.com/office/drawing/2014/main" id="{80CB7190-9453-91A4-FA2A-D24B187AB6B7}"/>
               </a:ext>
             </a:extLst>
           </p:cNvPr>
@@ -1730,7 +1730,7 @@
           <p:cNvPr id="6" name="内容占位符 5">
             <a:extLst>
               <a:ext uri="{FF2B5EF4-FFF2-40B4-BE49-F238E27FC236}">
-                <a16:creationId xmlns:a16="http://schemas.microsoft.com/office/drawing/2014/main" id="{57E39FF6-C6E9-6899-0D07-BEA5EAA4D4D0}"/>
+                <a16:creationId xmlns:a16="http://schemas.microsoft.com/office/drawing/2014/main" id="{3B7A28BF-EDF8-FB24-2B38-69DC5BFB5461}"/>
               </a:ext>
             </a:extLst>
           </p:cNvPr>
@@ -1792,7 +1792,7 @@
           <p:cNvPr id="7" name="日期占位符 6">
             <a:extLst>
               <a:ext uri="{FF2B5EF4-FFF2-40B4-BE49-F238E27FC236}">
-                <a16:creationId xmlns:a16="http://schemas.microsoft.com/office/drawing/2014/main" id="{D9FF14B0-8AF5-B402-8AA6-B28D5FD8DF34}"/>
+                <a16:creationId xmlns:a16="http://schemas.microsoft.com/office/drawing/2014/main" id="{4CAD28CE-E4E0-0DD0-ED4F-2AB0E1B46BC8}"/>
               </a:ext>
             </a:extLst>
           </p:cNvPr>
@@ -1808,7 +1808,7 @@
           <a:bodyPr/>
           <a:lstStyle/>
           <a:p>
-            <a:fld id="{27E0FF74-5833-4213-B2F4-8BB12AC1AC6C}" type="datetimeFigureOut">
+            <a:fld id="{AB065EA1-16EB-4EED-9AE4-206D24ACFF71}" type="datetimeFigureOut">
               <a:rPr lang="zh-CN" altLang="en-US" smtClean="0"/>
               <a:t>2024/3/10</a:t>
             </a:fld>
@@ -1821,7 +1821,7 @@
           <p:cNvPr id="8" name="页脚占位符 7">
             <a:extLst>
               <a:ext uri="{FF2B5EF4-FFF2-40B4-BE49-F238E27FC236}">
-                <a16:creationId xmlns:a16="http://schemas.microsoft.com/office/drawing/2014/main" id="{697CD50F-7688-9682-A28B-CBE6ABA64D24}"/>
+                <a16:creationId xmlns:a16="http://schemas.microsoft.com/office/drawing/2014/main" id="{DF24806D-CAF1-1902-1839-EAE4484172F3}"/>
               </a:ext>
             </a:extLst>
           </p:cNvPr>
@@ -1846,7 +1846,7 @@
           <p:cNvPr id="9" name="灯片编号占位符 8">
             <a:extLst>
               <a:ext uri="{FF2B5EF4-FFF2-40B4-BE49-F238E27FC236}">
-                <a16:creationId xmlns:a16="http://schemas.microsoft.com/office/drawing/2014/main" id="{049EE827-D15E-AF0C-C677-0990F280BAEF}"/>
+                <a16:creationId xmlns:a16="http://schemas.microsoft.com/office/drawing/2014/main" id="{5162A453-FDDE-C36E-6BF4-38158970500A}"/>
               </a:ext>
             </a:extLst>
           </p:cNvPr>
@@ -1862,7 +1862,7 @@
           <a:bodyPr/>
           <a:lstStyle/>
           <a:p>
-            <a:fld id="{85AD1BA7-112B-4A7B-B22A-834F3E0F2FE2}" type="slidenum">
+            <a:fld id="{B8ABBA8A-CBEA-4A71-8AD5-F58F529E2FCB}" type="slidenum">
               <a:rPr lang="zh-CN" altLang="en-US" smtClean="0"/>
               <a:t>‹#›</a:t>
             </a:fld>
@@ -1873,7 +1873,7 @@
     </p:spTree>
     <p:extLst>
       <p:ext uri="{BB962C8B-B14F-4D97-AF65-F5344CB8AC3E}">
-        <p14:creationId xmlns:p14="http://schemas.microsoft.com/office/powerpoint/2010/main" val="2693388635"/>
+        <p14:creationId xmlns:p14="http://schemas.microsoft.com/office/powerpoint/2010/main" val="4167250384"/>
       </p:ext>
     </p:extLst>
   </p:cSld>
@@ -1905,7 +1905,7 @@
           <p:cNvPr id="2" name="标题 1">
             <a:extLst>
               <a:ext uri="{FF2B5EF4-FFF2-40B4-BE49-F238E27FC236}">
-                <a16:creationId xmlns:a16="http://schemas.microsoft.com/office/drawing/2014/main" id="{B65E52C4-CBB3-A078-1503-5E432FE02F4C}"/>
+                <a16:creationId xmlns:a16="http://schemas.microsoft.com/office/drawing/2014/main" id="{A9389F1A-45C5-716B-4385-9EC489F56386}"/>
               </a:ext>
             </a:extLst>
           </p:cNvPr>
@@ -1933,7 +1933,7 @@
           <p:cNvPr id="3" name="日期占位符 2">
             <a:extLst>
               <a:ext uri="{FF2B5EF4-FFF2-40B4-BE49-F238E27FC236}">
-                <a16:creationId xmlns:a16="http://schemas.microsoft.com/office/drawing/2014/main" id="{DF18BA84-8BFC-3C63-18CD-2DE172C6C0A8}"/>
+                <a16:creationId xmlns:a16="http://schemas.microsoft.com/office/drawing/2014/main" id="{7DCBA0A6-1663-BA60-647C-65797111D510}"/>
               </a:ext>
             </a:extLst>
           </p:cNvPr>
@@ -1949,7 +1949,7 @@
           <a:bodyPr/>
           <a:lstStyle/>
           <a:p>
-            <a:fld id="{27E0FF74-5833-4213-B2F4-8BB12AC1AC6C}" type="datetimeFigureOut">
+            <a:fld id="{AB065EA1-16EB-4EED-9AE4-206D24ACFF71}" type="datetimeFigureOut">
               <a:rPr lang="zh-CN" altLang="en-US" smtClean="0"/>
               <a:t>2024/3/10</a:t>
             </a:fld>
@@ -1962,7 +1962,7 @@
           <p:cNvPr id="4" name="页脚占位符 3">
             <a:extLst>
               <a:ext uri="{FF2B5EF4-FFF2-40B4-BE49-F238E27FC236}">
-                <a16:creationId xmlns:a16="http://schemas.microsoft.com/office/drawing/2014/main" id="{56EA05E2-0BC9-2A78-65D0-3A8DF4331491}"/>
+                <a16:creationId xmlns:a16="http://schemas.microsoft.com/office/drawing/2014/main" id="{661B7E9F-8083-3F7C-BCDB-9D8C7D9F1BA0}"/>
               </a:ext>
             </a:extLst>
           </p:cNvPr>
@@ -1987,7 +1987,7 @@
           <p:cNvPr id="5" name="灯片编号占位符 4">
             <a:extLst>
               <a:ext uri="{FF2B5EF4-FFF2-40B4-BE49-F238E27FC236}">
-                <a16:creationId xmlns:a16="http://schemas.microsoft.com/office/drawing/2014/main" id="{1A4602D0-58E8-8543-C257-F4BEF74DBC19}"/>
+                <a16:creationId xmlns:a16="http://schemas.microsoft.com/office/drawing/2014/main" id="{E47A7105-542A-4734-D13C-B5B002963676}"/>
               </a:ext>
             </a:extLst>
           </p:cNvPr>
@@ -2003,7 +2003,7 @@
           <a:bodyPr/>
           <a:lstStyle/>
           <a:p>
-            <a:fld id="{85AD1BA7-112B-4A7B-B22A-834F3E0F2FE2}" type="slidenum">
+            <a:fld id="{B8ABBA8A-CBEA-4A71-8AD5-F58F529E2FCB}" type="slidenum">
               <a:rPr lang="zh-CN" altLang="en-US" smtClean="0"/>
               <a:t>‹#›</a:t>
             </a:fld>
@@ -2014,7 +2014,7 @@
     </p:spTree>
     <p:extLst>
       <p:ext uri="{BB962C8B-B14F-4D97-AF65-F5344CB8AC3E}">
-        <p14:creationId xmlns:p14="http://schemas.microsoft.com/office/powerpoint/2010/main" val="918659098"/>
+        <p14:creationId xmlns:p14="http://schemas.microsoft.com/office/powerpoint/2010/main" val="2417777073"/>
       </p:ext>
     </p:extLst>
   </p:cSld>
@@ -2046,7 +2046,7 @@
           <p:cNvPr id="2" name="日期占位符 1">
             <a:extLst>
               <a:ext uri="{FF2B5EF4-FFF2-40B4-BE49-F238E27FC236}">
-                <a16:creationId xmlns:a16="http://schemas.microsoft.com/office/drawing/2014/main" id="{E1B13D7D-63DC-0146-2997-2B9105F4C82E}"/>
+                <a16:creationId xmlns:a16="http://schemas.microsoft.com/office/drawing/2014/main" id="{A627E2FB-FE4D-8A58-D001-DD2005D9FCED}"/>
               </a:ext>
             </a:extLst>
           </p:cNvPr>
@@ -2062,7 +2062,7 @@
           <a:bodyPr/>
           <a:lstStyle/>
           <a:p>
-            <a:fld id="{27E0FF74-5833-4213-B2F4-8BB12AC1AC6C}" type="datetimeFigureOut">
+            <a:fld id="{AB065EA1-16EB-4EED-9AE4-206D24ACFF71}" type="datetimeFigureOut">
               <a:rPr lang="zh-CN" altLang="en-US" smtClean="0"/>
               <a:t>2024/3/10</a:t>
             </a:fld>
@@ -2075,7 +2075,7 @@
           <p:cNvPr id="3" name="页脚占位符 2">
             <a:extLst>
               <a:ext uri="{FF2B5EF4-FFF2-40B4-BE49-F238E27FC236}">
-                <a16:creationId xmlns:a16="http://schemas.microsoft.com/office/drawing/2014/main" id="{E51CA72C-F078-4C7F-D566-88DE9B807D99}"/>
+                <a16:creationId xmlns:a16="http://schemas.microsoft.com/office/drawing/2014/main" id="{C7E6B0FC-4A6D-1F72-F47D-9FC3C23F437F}"/>
               </a:ext>
             </a:extLst>
           </p:cNvPr>
@@ -2100,7 +2100,7 @@
           <p:cNvPr id="4" name="灯片编号占位符 3">
             <a:extLst>
               <a:ext uri="{FF2B5EF4-FFF2-40B4-BE49-F238E27FC236}">
-                <a16:creationId xmlns:a16="http://schemas.microsoft.com/office/drawing/2014/main" id="{7F920028-1C5F-CDB4-2C2E-F905A78ACE5E}"/>
+                <a16:creationId xmlns:a16="http://schemas.microsoft.com/office/drawing/2014/main" id="{C121CFF0-7E75-FD0C-CA4D-92BEC12B4950}"/>
               </a:ext>
             </a:extLst>
           </p:cNvPr>
@@ -2116,7 +2116,7 @@
           <a:bodyPr/>
           <a:lstStyle/>
           <a:p>
-            <a:fld id="{85AD1BA7-112B-4A7B-B22A-834F3E0F2FE2}" type="slidenum">
+            <a:fld id="{B8ABBA8A-CBEA-4A71-8AD5-F58F529E2FCB}" type="slidenum">
               <a:rPr lang="zh-CN" altLang="en-US" smtClean="0"/>
               <a:t>‹#›</a:t>
             </a:fld>
@@ -2127,7 +2127,7 @@
     </p:spTree>
     <p:extLst>
       <p:ext uri="{BB962C8B-B14F-4D97-AF65-F5344CB8AC3E}">
-        <p14:creationId xmlns:p14="http://schemas.microsoft.com/office/powerpoint/2010/main" val="1680448535"/>
+        <p14:creationId xmlns:p14="http://schemas.microsoft.com/office/powerpoint/2010/main" val="3792977690"/>
       </p:ext>
     </p:extLst>
   </p:cSld>
@@ -2159,7 +2159,7 @@
           <p:cNvPr id="2" name="标题 1">
             <a:extLst>
               <a:ext uri="{FF2B5EF4-FFF2-40B4-BE49-F238E27FC236}">
-                <a16:creationId xmlns:a16="http://schemas.microsoft.com/office/drawing/2014/main" id="{83C7A580-E912-EA82-9A05-503A7A409212}"/>
+                <a16:creationId xmlns:a16="http://schemas.microsoft.com/office/drawing/2014/main" id="{6903E975-5A22-A071-F02C-4B82A410F742}"/>
               </a:ext>
             </a:extLst>
           </p:cNvPr>
@@ -2196,7 +2196,7 @@
           <p:cNvPr id="3" name="内容占位符 2">
             <a:extLst>
               <a:ext uri="{FF2B5EF4-FFF2-40B4-BE49-F238E27FC236}">
-                <a16:creationId xmlns:a16="http://schemas.microsoft.com/office/drawing/2014/main" id="{79CBD455-86C7-7D60-090D-E28864A5EE61}"/>
+                <a16:creationId xmlns:a16="http://schemas.microsoft.com/office/drawing/2014/main" id="{74445F78-D187-A081-FE28-C925B75A0C7D}"/>
               </a:ext>
             </a:extLst>
           </p:cNvPr>
@@ -2286,7 +2286,7 @@
           <p:cNvPr id="4" name="文本占位符 3">
             <a:extLst>
               <a:ext uri="{FF2B5EF4-FFF2-40B4-BE49-F238E27FC236}">
-                <a16:creationId xmlns:a16="http://schemas.microsoft.com/office/drawing/2014/main" id="{605B5D43-A8B0-2342-B6B3-3182CF2A420B}"/>
+                <a16:creationId xmlns:a16="http://schemas.microsoft.com/office/drawing/2014/main" id="{F4FA1EC8-6AB7-DF6F-FB9A-3638F8F621C0}"/>
               </a:ext>
             </a:extLst>
           </p:cNvPr>
@@ -2357,7 +2357,7 @@
           <p:cNvPr id="5" name="日期占位符 4">
             <a:extLst>
               <a:ext uri="{FF2B5EF4-FFF2-40B4-BE49-F238E27FC236}">
-                <a16:creationId xmlns:a16="http://schemas.microsoft.com/office/drawing/2014/main" id="{66F89B3B-C10A-824A-90D4-737B54CA36FB}"/>
+                <a16:creationId xmlns:a16="http://schemas.microsoft.com/office/drawing/2014/main" id="{AD047FBC-9653-D4E0-89BF-2EF365DFD7D6}"/>
               </a:ext>
             </a:extLst>
           </p:cNvPr>
@@ -2373,7 +2373,7 @@
           <a:bodyPr/>
           <a:lstStyle/>
           <a:p>
-            <a:fld id="{27E0FF74-5833-4213-B2F4-8BB12AC1AC6C}" type="datetimeFigureOut">
+            <a:fld id="{AB065EA1-16EB-4EED-9AE4-206D24ACFF71}" type="datetimeFigureOut">
               <a:rPr lang="zh-CN" altLang="en-US" smtClean="0"/>
               <a:t>2024/3/10</a:t>
             </a:fld>
@@ -2386,7 +2386,7 @@
           <p:cNvPr id="6" name="页脚占位符 5">
             <a:extLst>
               <a:ext uri="{FF2B5EF4-FFF2-40B4-BE49-F238E27FC236}">
-                <a16:creationId xmlns:a16="http://schemas.microsoft.com/office/drawing/2014/main" id="{5074779A-2FFA-FC4F-F2CD-574402BDD7FE}"/>
+                <a16:creationId xmlns:a16="http://schemas.microsoft.com/office/drawing/2014/main" id="{38ED9E22-F413-17FB-4AFE-126FBFE5CDF1}"/>
               </a:ext>
             </a:extLst>
           </p:cNvPr>
@@ -2411,7 +2411,7 @@
           <p:cNvPr id="7" name="灯片编号占位符 6">
             <a:extLst>
               <a:ext uri="{FF2B5EF4-FFF2-40B4-BE49-F238E27FC236}">
-                <a16:creationId xmlns:a16="http://schemas.microsoft.com/office/drawing/2014/main" id="{A9DEC05B-6693-6608-0298-6976E390F1E7}"/>
+                <a16:creationId xmlns:a16="http://schemas.microsoft.com/office/drawing/2014/main" id="{E28D23E1-4CC5-9FB0-48BA-B536BE6E99FE}"/>
               </a:ext>
             </a:extLst>
           </p:cNvPr>
@@ -2427,7 +2427,7 @@
           <a:bodyPr/>
           <a:lstStyle/>
           <a:p>
-            <a:fld id="{85AD1BA7-112B-4A7B-B22A-834F3E0F2FE2}" type="slidenum">
+            <a:fld id="{B8ABBA8A-CBEA-4A71-8AD5-F58F529E2FCB}" type="slidenum">
               <a:rPr lang="zh-CN" altLang="en-US" smtClean="0"/>
               <a:t>‹#›</a:t>
             </a:fld>
@@ -2438,7 +2438,7 @@
     </p:spTree>
     <p:extLst>
       <p:ext uri="{BB962C8B-B14F-4D97-AF65-F5344CB8AC3E}">
-        <p14:creationId xmlns:p14="http://schemas.microsoft.com/office/powerpoint/2010/main" val="3025651723"/>
+        <p14:creationId xmlns:p14="http://schemas.microsoft.com/office/powerpoint/2010/main" val="1406505532"/>
       </p:ext>
     </p:extLst>
   </p:cSld>
@@ -2470,7 +2470,7 @@
           <p:cNvPr id="2" name="标题 1">
             <a:extLst>
               <a:ext uri="{FF2B5EF4-FFF2-40B4-BE49-F238E27FC236}">
-                <a16:creationId xmlns:a16="http://schemas.microsoft.com/office/drawing/2014/main" id="{8800D77E-4F7B-80AD-90F4-012935B4344F}"/>
+                <a16:creationId xmlns:a16="http://schemas.microsoft.com/office/drawing/2014/main" id="{1448BC91-8B88-A224-E9FB-A5D1BCAEB024}"/>
               </a:ext>
             </a:extLst>
           </p:cNvPr>
@@ -2507,7 +2507,7 @@
           <p:cNvPr id="3" name="图片占位符 2">
             <a:extLst>
               <a:ext uri="{FF2B5EF4-FFF2-40B4-BE49-F238E27FC236}">
-                <a16:creationId xmlns:a16="http://schemas.microsoft.com/office/drawing/2014/main" id="{DAE34269-ABA2-F453-EE1C-BE5B66B1683A}"/>
+                <a16:creationId xmlns:a16="http://schemas.microsoft.com/office/drawing/2014/main" id="{69D1BF25-E8B6-17BA-6021-34057852852D}"/>
               </a:ext>
             </a:extLst>
           </p:cNvPr>
@@ -2574,7 +2574,7 @@
           <p:cNvPr id="4" name="文本占位符 3">
             <a:extLst>
               <a:ext uri="{FF2B5EF4-FFF2-40B4-BE49-F238E27FC236}">
-                <a16:creationId xmlns:a16="http://schemas.microsoft.com/office/drawing/2014/main" id="{44C38068-D929-C83D-6035-6A4BC4FF8B4A}"/>
+                <a16:creationId xmlns:a16="http://schemas.microsoft.com/office/drawing/2014/main" id="{51ACC18F-1A44-755C-D703-DC6E87863F5F}"/>
               </a:ext>
             </a:extLst>
           </p:cNvPr>
@@ -2645,7 +2645,7 @@
           <p:cNvPr id="5" name="日期占位符 4">
             <a:extLst>
               <a:ext uri="{FF2B5EF4-FFF2-40B4-BE49-F238E27FC236}">
-                <a16:creationId xmlns:a16="http://schemas.microsoft.com/office/drawing/2014/main" id="{16FE54BB-DF56-BCB9-FE52-03B80D95D1C3}"/>
+                <a16:creationId xmlns:a16="http://schemas.microsoft.com/office/drawing/2014/main" id="{4130AFC2-3746-816A-5C07-CA9924F1E2E4}"/>
               </a:ext>
             </a:extLst>
           </p:cNvPr>
@@ -2661,7 +2661,7 @@
           <a:bodyPr/>
           <a:lstStyle/>
           <a:p>
-            <a:fld id="{27E0FF74-5833-4213-B2F4-8BB12AC1AC6C}" type="datetimeFigureOut">
+            <a:fld id="{AB065EA1-16EB-4EED-9AE4-206D24ACFF71}" type="datetimeFigureOut">
               <a:rPr lang="zh-CN" altLang="en-US" smtClean="0"/>
               <a:t>2024/3/10</a:t>
             </a:fld>
@@ -2674,7 +2674,7 @@
           <p:cNvPr id="6" name="页脚占位符 5">
             <a:extLst>
               <a:ext uri="{FF2B5EF4-FFF2-40B4-BE49-F238E27FC236}">
-                <a16:creationId xmlns:a16="http://schemas.microsoft.com/office/drawing/2014/main" id="{A5B36CB4-F0E6-F3FB-2E68-9560DB9D3A04}"/>
+                <a16:creationId xmlns:a16="http://schemas.microsoft.com/office/drawing/2014/main" id="{6690F2F5-AC44-AF2C-9541-FE899C9E55DA}"/>
               </a:ext>
             </a:extLst>
           </p:cNvPr>
@@ -2699,7 +2699,7 @@
           <p:cNvPr id="7" name="灯片编号占位符 6">
             <a:extLst>
               <a:ext uri="{FF2B5EF4-FFF2-40B4-BE49-F238E27FC236}">
-                <a16:creationId xmlns:a16="http://schemas.microsoft.com/office/drawing/2014/main" id="{05AAFE0E-4C07-670D-BD38-B612F4981FA5}"/>
+                <a16:creationId xmlns:a16="http://schemas.microsoft.com/office/drawing/2014/main" id="{22B93724-875D-8CB2-2B62-CFC1647615BC}"/>
               </a:ext>
             </a:extLst>
           </p:cNvPr>
@@ -2715,7 +2715,7 @@
           <a:bodyPr/>
           <a:lstStyle/>
           <a:p>
-            <a:fld id="{85AD1BA7-112B-4A7B-B22A-834F3E0F2FE2}" type="slidenum">
+            <a:fld id="{B8ABBA8A-CBEA-4A71-8AD5-F58F529E2FCB}" type="slidenum">
               <a:rPr lang="zh-CN" altLang="en-US" smtClean="0"/>
               <a:t>‹#›</a:t>
             </a:fld>
@@ -2726,7 +2726,7 @@
     </p:spTree>
     <p:extLst>
       <p:ext uri="{BB962C8B-B14F-4D97-AF65-F5344CB8AC3E}">
-        <p14:creationId xmlns:p14="http://schemas.microsoft.com/office/powerpoint/2010/main" val="4159351688"/>
+        <p14:creationId xmlns:p14="http://schemas.microsoft.com/office/powerpoint/2010/main" val="937502602"/>
       </p:ext>
     </p:extLst>
   </p:cSld>
@@ -2763,7 +2763,7 @@
           <p:cNvPr id="2" name="标题占位符 1">
             <a:extLst>
               <a:ext uri="{FF2B5EF4-FFF2-40B4-BE49-F238E27FC236}">
-                <a16:creationId xmlns:a16="http://schemas.microsoft.com/office/drawing/2014/main" id="{5C5FCC88-C7E6-25A3-5938-E5DF97C26B0E}"/>
+                <a16:creationId xmlns:a16="http://schemas.microsoft.com/office/drawing/2014/main" id="{8898A782-A00C-40F5-C821-3A01EAA3FF6D}"/>
               </a:ext>
             </a:extLst>
           </p:cNvPr>
@@ -2801,7 +2801,7 @@
           <p:cNvPr id="3" name="文本占位符 2">
             <a:extLst>
               <a:ext uri="{FF2B5EF4-FFF2-40B4-BE49-F238E27FC236}">
-                <a16:creationId xmlns:a16="http://schemas.microsoft.com/office/drawing/2014/main" id="{2EA40B65-FAD7-F72F-6C20-83CA61D6F773}"/>
+                <a16:creationId xmlns:a16="http://schemas.microsoft.com/office/drawing/2014/main" id="{A2AA9F0E-2F11-AF27-254E-376D469ECBBC}"/>
               </a:ext>
             </a:extLst>
           </p:cNvPr>
@@ -2868,7 +2868,7 @@
           <p:cNvPr id="4" name="日期占位符 3">
             <a:extLst>
               <a:ext uri="{FF2B5EF4-FFF2-40B4-BE49-F238E27FC236}">
-                <a16:creationId xmlns:a16="http://schemas.microsoft.com/office/drawing/2014/main" id="{F4E9969A-2597-188F-0F2B-EC662D934829}"/>
+                <a16:creationId xmlns:a16="http://schemas.microsoft.com/office/drawing/2014/main" id="{B5F40D2D-CDCE-9504-E5CF-B7B43D97848E}"/>
               </a:ext>
             </a:extLst>
           </p:cNvPr>
@@ -2902,7 +2902,7 @@
             </a:lvl1pPr>
           </a:lstStyle>
           <a:p>
-            <a:fld id="{27E0FF74-5833-4213-B2F4-8BB12AC1AC6C}" type="datetimeFigureOut">
+            <a:fld id="{AB065EA1-16EB-4EED-9AE4-206D24ACFF71}" type="datetimeFigureOut">
               <a:rPr lang="zh-CN" altLang="en-US" smtClean="0"/>
               <a:t>2024/3/10</a:t>
             </a:fld>
@@ -2915,7 +2915,7 @@
           <p:cNvPr id="5" name="页脚占位符 4">
             <a:extLst>
               <a:ext uri="{FF2B5EF4-FFF2-40B4-BE49-F238E27FC236}">
-                <a16:creationId xmlns:a16="http://schemas.microsoft.com/office/drawing/2014/main" id="{C1522270-B910-0183-200D-15CCE4369930}"/>
+                <a16:creationId xmlns:a16="http://schemas.microsoft.com/office/drawing/2014/main" id="{66939C07-5943-A0D9-8E1B-16BCAF3F6706}"/>
               </a:ext>
             </a:extLst>
           </p:cNvPr>
@@ -2958,7 +2958,7 @@
           <p:cNvPr id="6" name="灯片编号占位符 5">
             <a:extLst>
               <a:ext uri="{FF2B5EF4-FFF2-40B4-BE49-F238E27FC236}">
-                <a16:creationId xmlns:a16="http://schemas.microsoft.com/office/drawing/2014/main" id="{D145CD78-9C00-DE17-2E02-15049B068F80}"/>
+                <a16:creationId xmlns:a16="http://schemas.microsoft.com/office/drawing/2014/main" id="{2C481651-E76F-FBC3-0609-53A2C0C68962}"/>
               </a:ext>
             </a:extLst>
           </p:cNvPr>
@@ -2992,7 +2992,7 @@
             </a:lvl1pPr>
           </a:lstStyle>
           <a:p>
-            <a:fld id="{85AD1BA7-112B-4A7B-B22A-834F3E0F2FE2}" type="slidenum">
+            <a:fld id="{B8ABBA8A-CBEA-4A71-8AD5-F58F529E2FCB}" type="slidenum">
               <a:rPr lang="zh-CN" altLang="en-US" smtClean="0"/>
               <a:t>‹#›</a:t>
             </a:fld>
@@ -3003,7 +3003,7 @@
     </p:spTree>
     <p:extLst>
       <p:ext uri="{BB962C8B-B14F-4D97-AF65-F5344CB8AC3E}">
-        <p14:creationId xmlns:p14="http://schemas.microsoft.com/office/powerpoint/2010/main" val="1625676088"/>
+        <p14:creationId xmlns:p14="http://schemas.microsoft.com/office/powerpoint/2010/main" val="659515706"/>
       </p:ext>
     </p:extLst>
   </p:cSld>
@@ -3323,7 +3323,7 @@
       </p:grpSpPr>
       <p:pic>
         <p:nvPicPr>
-          <p:cNvPr id="235522" name="Picture 2" descr="229"/>
+          <p:cNvPr id="236546" name="Picture 2" descr="230"/>
           <p:cNvPicPr>
             <a:picLocks noChangeAspect="1" noChangeArrowheads="1"/>
           </p:cNvPicPr>
